--- a/PBO/PBO 02.pptx
+++ b/PBO/PBO 02.pptx
@@ -111,6 +111,11 @@
       </a:defRPr>
     </a:lvl9pPr>
   </p:defaultTextStyle>
+  <p:extLst>
+    <p:ext uri="{EFAFB233-063F-42B5-8137-9DF3F51BA10A}">
+      <p15:sldGuideLst xmlns:p15="http://schemas.microsoft.com/office/powerpoint/2012/main"/>
+    </p:ext>
+  </p:extLst>
 </p:presentation>
 </file>
 
@@ -263,7 +268,7 @@
           <a:p>
             <a:fld id="{A1198A78-2C26-4C14-BEE7-97B419EF9B30}" type="datetimeFigureOut">
               <a:rPr lang="en-ID" smtClean="0"/>
-              <a:t>12/09/2019</a:t>
+              <a:t>18/09/2019</a:t>
             </a:fld>
             <a:endParaRPr lang="en-ID"/>
           </a:p>
@@ -463,7 +468,7 @@
           <a:p>
             <a:fld id="{A1198A78-2C26-4C14-BEE7-97B419EF9B30}" type="datetimeFigureOut">
               <a:rPr lang="en-ID" smtClean="0"/>
-              <a:t>12/09/2019</a:t>
+              <a:t>18/09/2019</a:t>
             </a:fld>
             <a:endParaRPr lang="en-ID"/>
           </a:p>
@@ -673,7 +678,7 @@
           <a:p>
             <a:fld id="{A1198A78-2C26-4C14-BEE7-97B419EF9B30}" type="datetimeFigureOut">
               <a:rPr lang="en-ID" smtClean="0"/>
-              <a:t>12/09/2019</a:t>
+              <a:t>18/09/2019</a:t>
             </a:fld>
             <a:endParaRPr lang="en-ID"/>
           </a:p>
@@ -873,7 +878,7 @@
           <a:p>
             <a:fld id="{A1198A78-2C26-4C14-BEE7-97B419EF9B30}" type="datetimeFigureOut">
               <a:rPr lang="en-ID" smtClean="0"/>
-              <a:t>12/09/2019</a:t>
+              <a:t>18/09/2019</a:t>
             </a:fld>
             <a:endParaRPr lang="en-ID"/>
           </a:p>
@@ -1149,7 +1154,7 @@
           <a:p>
             <a:fld id="{A1198A78-2C26-4C14-BEE7-97B419EF9B30}" type="datetimeFigureOut">
               <a:rPr lang="en-ID" smtClean="0"/>
-              <a:t>12/09/2019</a:t>
+              <a:t>18/09/2019</a:t>
             </a:fld>
             <a:endParaRPr lang="en-ID"/>
           </a:p>
@@ -1417,7 +1422,7 @@
           <a:p>
             <a:fld id="{A1198A78-2C26-4C14-BEE7-97B419EF9B30}" type="datetimeFigureOut">
               <a:rPr lang="en-ID" smtClean="0"/>
-              <a:t>12/09/2019</a:t>
+              <a:t>18/09/2019</a:t>
             </a:fld>
             <a:endParaRPr lang="en-ID"/>
           </a:p>
@@ -1832,7 +1837,7 @@
           <a:p>
             <a:fld id="{A1198A78-2C26-4C14-BEE7-97B419EF9B30}" type="datetimeFigureOut">
               <a:rPr lang="en-ID" smtClean="0"/>
-              <a:t>12/09/2019</a:t>
+              <a:t>18/09/2019</a:t>
             </a:fld>
             <a:endParaRPr lang="en-ID"/>
           </a:p>
@@ -1974,7 +1979,7 @@
           <a:p>
             <a:fld id="{A1198A78-2C26-4C14-BEE7-97B419EF9B30}" type="datetimeFigureOut">
               <a:rPr lang="en-ID" smtClean="0"/>
-              <a:t>12/09/2019</a:t>
+              <a:t>18/09/2019</a:t>
             </a:fld>
             <a:endParaRPr lang="en-ID"/>
           </a:p>
@@ -2087,7 +2092,7 @@
           <a:p>
             <a:fld id="{A1198A78-2C26-4C14-BEE7-97B419EF9B30}" type="datetimeFigureOut">
               <a:rPr lang="en-ID" smtClean="0"/>
-              <a:t>12/09/2019</a:t>
+              <a:t>18/09/2019</a:t>
             </a:fld>
             <a:endParaRPr lang="en-ID"/>
           </a:p>
@@ -2400,7 +2405,7 @@
           <a:p>
             <a:fld id="{A1198A78-2C26-4C14-BEE7-97B419EF9B30}" type="datetimeFigureOut">
               <a:rPr lang="en-ID" smtClean="0"/>
-              <a:t>12/09/2019</a:t>
+              <a:t>18/09/2019</a:t>
             </a:fld>
             <a:endParaRPr lang="en-ID"/>
           </a:p>
@@ -2689,7 +2694,7 @@
           <a:p>
             <a:fld id="{A1198A78-2C26-4C14-BEE7-97B419EF9B30}" type="datetimeFigureOut">
               <a:rPr lang="en-ID" smtClean="0"/>
-              <a:t>12/09/2019</a:t>
+              <a:t>18/09/2019</a:t>
             </a:fld>
             <a:endParaRPr lang="en-ID"/>
           </a:p>
@@ -2932,7 +2937,7 @@
           <a:p>
             <a:fld id="{A1198A78-2C26-4C14-BEE7-97B419EF9B30}" type="datetimeFigureOut">
               <a:rPr lang="en-ID" smtClean="0"/>
-              <a:t>12/09/2019</a:t>
+              <a:t>18/09/2019</a:t>
             </a:fld>
             <a:endParaRPr lang="en-ID"/>
           </a:p>
@@ -3539,7 +3544,31 @@
             <a:pPr lvl="1"/>
             <a:r>
               <a:rPr lang="en-ID" dirty="0"/>
-              <a:t>char </a:t>
+              <a:t>char: </a:t>
+            </a:r>
+            <a:r>
+              <a:rPr lang="en-ID" dirty="0" err="1"/>
+              <a:t>karakter</a:t>
+            </a:r>
+            <a:r>
+              <a:rPr lang="en-ID" dirty="0"/>
+              <a:t>, </a:t>
+            </a:r>
+            <a:r>
+              <a:rPr lang="en-ID" dirty="0" err="1"/>
+              <a:t>misal</a:t>
+            </a:r>
+            <a:r>
+              <a:rPr lang="en-ID" dirty="0"/>
+              <a:t>: ‘a’, ‘1’, ‘A’, ‘*’, ‘_’ </a:t>
+            </a:r>
+            <a:r>
+              <a:rPr lang="en-ID" dirty="0" err="1"/>
+              <a:t>dll</a:t>
+            </a:r>
+            <a:r>
+              <a:rPr lang="en-ID" dirty="0"/>
+              <a:t> </a:t>
             </a:r>
           </a:p>
           <a:p>

--- a/PBO/PBO 02.pptx
+++ b/PBO/PBO 02.pptx
@@ -268,7 +268,7 @@
           <a:p>
             <a:fld id="{A1198A78-2C26-4C14-BEE7-97B419EF9B30}" type="datetimeFigureOut">
               <a:rPr lang="en-ID" smtClean="0"/>
-              <a:t>18/09/2019</a:t>
+              <a:t>26/09/2019</a:t>
             </a:fld>
             <a:endParaRPr lang="en-ID"/>
           </a:p>
@@ -468,7 +468,7 @@
           <a:p>
             <a:fld id="{A1198A78-2C26-4C14-BEE7-97B419EF9B30}" type="datetimeFigureOut">
               <a:rPr lang="en-ID" smtClean="0"/>
-              <a:t>18/09/2019</a:t>
+              <a:t>26/09/2019</a:t>
             </a:fld>
             <a:endParaRPr lang="en-ID"/>
           </a:p>
@@ -678,7 +678,7 @@
           <a:p>
             <a:fld id="{A1198A78-2C26-4C14-BEE7-97B419EF9B30}" type="datetimeFigureOut">
               <a:rPr lang="en-ID" smtClean="0"/>
-              <a:t>18/09/2019</a:t>
+              <a:t>26/09/2019</a:t>
             </a:fld>
             <a:endParaRPr lang="en-ID"/>
           </a:p>
@@ -878,7 +878,7 @@
           <a:p>
             <a:fld id="{A1198A78-2C26-4C14-BEE7-97B419EF9B30}" type="datetimeFigureOut">
               <a:rPr lang="en-ID" smtClean="0"/>
-              <a:t>18/09/2019</a:t>
+              <a:t>26/09/2019</a:t>
             </a:fld>
             <a:endParaRPr lang="en-ID"/>
           </a:p>
@@ -1154,7 +1154,7 @@
           <a:p>
             <a:fld id="{A1198A78-2C26-4C14-BEE7-97B419EF9B30}" type="datetimeFigureOut">
               <a:rPr lang="en-ID" smtClean="0"/>
-              <a:t>18/09/2019</a:t>
+              <a:t>26/09/2019</a:t>
             </a:fld>
             <a:endParaRPr lang="en-ID"/>
           </a:p>
@@ -1422,7 +1422,7 @@
           <a:p>
             <a:fld id="{A1198A78-2C26-4C14-BEE7-97B419EF9B30}" type="datetimeFigureOut">
               <a:rPr lang="en-ID" smtClean="0"/>
-              <a:t>18/09/2019</a:t>
+              <a:t>26/09/2019</a:t>
             </a:fld>
             <a:endParaRPr lang="en-ID"/>
           </a:p>
@@ -1837,7 +1837,7 @@
           <a:p>
             <a:fld id="{A1198A78-2C26-4C14-BEE7-97B419EF9B30}" type="datetimeFigureOut">
               <a:rPr lang="en-ID" smtClean="0"/>
-              <a:t>18/09/2019</a:t>
+              <a:t>26/09/2019</a:t>
             </a:fld>
             <a:endParaRPr lang="en-ID"/>
           </a:p>
@@ -1979,7 +1979,7 @@
           <a:p>
             <a:fld id="{A1198A78-2C26-4C14-BEE7-97B419EF9B30}" type="datetimeFigureOut">
               <a:rPr lang="en-ID" smtClean="0"/>
-              <a:t>18/09/2019</a:t>
+              <a:t>26/09/2019</a:t>
             </a:fld>
             <a:endParaRPr lang="en-ID"/>
           </a:p>
@@ -2092,7 +2092,7 @@
           <a:p>
             <a:fld id="{A1198A78-2C26-4C14-BEE7-97B419EF9B30}" type="datetimeFigureOut">
               <a:rPr lang="en-ID" smtClean="0"/>
-              <a:t>18/09/2019</a:t>
+              <a:t>26/09/2019</a:t>
             </a:fld>
             <a:endParaRPr lang="en-ID"/>
           </a:p>
@@ -2405,7 +2405,7 @@
           <a:p>
             <a:fld id="{A1198A78-2C26-4C14-BEE7-97B419EF9B30}" type="datetimeFigureOut">
               <a:rPr lang="en-ID" smtClean="0"/>
-              <a:t>18/09/2019</a:t>
+              <a:t>26/09/2019</a:t>
             </a:fld>
             <a:endParaRPr lang="en-ID"/>
           </a:p>
@@ -2694,7 +2694,7 @@
           <a:p>
             <a:fld id="{A1198A78-2C26-4C14-BEE7-97B419EF9B30}" type="datetimeFigureOut">
               <a:rPr lang="en-ID" smtClean="0"/>
-              <a:t>18/09/2019</a:t>
+              <a:t>26/09/2019</a:t>
             </a:fld>
             <a:endParaRPr lang="en-ID"/>
           </a:p>
@@ -2937,7 +2937,7 @@
           <a:p>
             <a:fld id="{A1198A78-2C26-4C14-BEE7-97B419EF9B30}" type="datetimeFigureOut">
               <a:rPr lang="en-ID" smtClean="0"/>
-              <a:t>18/09/2019</a:t>
+              <a:t>26/09/2019</a:t>
             </a:fld>
             <a:endParaRPr lang="en-ID"/>
           </a:p>
@@ -4540,7 +4540,7 @@
             </a:br>
             <a:r>
               <a:rPr lang="en-ID" dirty="0"/>
-              <a:t>and, or, not</a:t>
+              <a:t>and (&amp;&amp;), or (||), not (!)</a:t>
             </a:r>
           </a:p>
           <a:p>
